--- a/OJT/과제_팀장님_디자인패턴/싱글톤_고도화_정훈.pptx
+++ b/OJT/과제_팀장님_디자인패턴/싱글톤_고도화_정훈.pptx
@@ -226,6 +226,11 @@
       </a:defRPr>
     </a:lvl9pPr>
   </p:defaultTextStyle>
+  <p:extLst>
+    <p:ext uri="{EFAFB233-063F-42B5-8137-9DF3F51BA10A}">
+      <p15:sldGuideLst xmlns:p15="http://schemas.microsoft.com/office/powerpoint/2012/main"/>
+    </p:ext>
+  </p:extLst>
 </p:presentation>
 </file>
 
@@ -3557,7 +3562,7 @@
               <a:buNone/>
             </a:pPr>
             <a:r>
-              <a:rPr lang="ko-KR" altLang="en-US" sz="1800" b="1" dirty="0" err="1" smtClean="0">
+              <a:rPr lang="ko-KR" altLang="en-US" b="1" dirty="0" err="1" smtClean="0">
                 <a:solidFill>
                   <a:srgbClr val="A8122A"/>
                 </a:solidFill>
@@ -3565,14 +3570,14 @@
               <a:t>특</a:t>
             </a:r>
             <a:r>
-              <a:rPr lang="ko-KR" altLang="en-US" sz="1800" b="1" dirty="0" smtClean="0">
+              <a:rPr lang="ko-KR" altLang="en-US" b="1" dirty="0" smtClean="0">
                 <a:solidFill>
                   <a:srgbClr val="A8122A"/>
                 </a:solidFill>
               </a:rPr>
               <a:t>    징</a:t>
             </a:r>
-            <a:endParaRPr lang="en-US" altLang="ko-KR" sz="1800" b="1" dirty="0" smtClean="0">
+            <a:endParaRPr lang="en-US" altLang="ko-KR" b="1" dirty="0" smtClean="0">
               <a:solidFill>
                 <a:srgbClr val="A8122A"/>
               </a:solidFill>
@@ -4448,15 +4453,39 @@
                   <a:schemeClr val="tx1"/>
                 </a:solidFill>
               </a:rPr>
-              <a:t>, multi thread </a:t>
-            </a:r>
-            <a:r>
-              <a:rPr lang="ko-KR" altLang="en-US" sz="1800" dirty="0">
-                <a:solidFill>
-                  <a:schemeClr val="tx1"/>
-                </a:solidFill>
-              </a:rPr>
-              <a:t>로 부터 안전하다</a:t>
+              <a:t>, </a:t>
+            </a:r>
+            <a:r>
+              <a:rPr lang="en-US" altLang="ko-KR" sz="1800">
+                <a:solidFill>
+                  <a:schemeClr val="tx1"/>
+                </a:solidFill>
+              </a:rPr>
+              <a:t>multi </a:t>
+            </a:r>
+            <a:r>
+              <a:rPr lang="en-US" altLang="ko-KR" sz="1800" smtClean="0">
+                <a:solidFill>
+                  <a:schemeClr val="tx1"/>
+                </a:solidFill>
+              </a:rPr>
+              <a:t>thread</a:t>
+            </a:r>
+            <a:r>
+              <a:rPr lang="ko-KR" altLang="en-US" sz="1800" smtClean="0">
+                <a:solidFill>
+                  <a:schemeClr val="tx1"/>
+                </a:solidFill>
+              </a:rPr>
+              <a:t>로 </a:t>
+            </a:r>
+            <a:r>
+              <a:rPr lang="ko-KR" altLang="en-US" sz="1800" dirty="0">
+                <a:solidFill>
+                  <a:schemeClr val="tx1"/>
+                </a:solidFill>
+              </a:rPr>
+              <a:t>부터 안전하다</a:t>
             </a:r>
             <a:r>
               <a:rPr lang="en-US" altLang="ko-KR" sz="1800" dirty="0">
@@ -7183,12 +7212,12 @@
               <a:buNone/>
             </a:pPr>
             <a:r>
-              <a:rPr lang="ko-KR" altLang="en-US" sz="1800" b="1" dirty="0" smtClean="0">
+              <a:rPr lang="ko-KR" altLang="en-US" sz="1800" b="1" smtClean="0">
                 <a:solidFill>
                   <a:srgbClr val="A8122A"/>
                 </a:solidFill>
               </a:rPr>
-              <a:t>단점</a:t>
+              <a:t>단  점</a:t>
             </a:r>
             <a:endParaRPr lang="en-US" altLang="ko-KR" sz="1800" b="1" dirty="0" smtClean="0">
               <a:solidFill>
@@ -7377,13 +7406,18 @@
               <a:buNone/>
             </a:pPr>
             <a:r>
-              <a:rPr lang="ko-KR" altLang="en-US" dirty="0">
+              <a:rPr lang="ko-KR" altLang="en-US" b="1" smtClean="0">
                 <a:solidFill>
                   <a:srgbClr val="A8122A"/>
                 </a:solidFill>
               </a:rPr>
-              <a:t>장점</a:t>
-            </a:r>
+              <a:t>장  점</a:t>
+            </a:r>
+            <a:endParaRPr lang="ko-KR" altLang="en-US" b="1" dirty="0">
+              <a:solidFill>
+                <a:srgbClr val="A8122A"/>
+              </a:solidFill>
+            </a:endParaRPr>
           </a:p>
           <a:p>
             <a:pPr marL="285750" lvl="0" indent="-285750">
